--- a/output/2026-02-04_220411/presentation.pptx
+++ b/output/2026-02-04_220411/presentation.pptx
@@ -1615,7 +1615,7 @@
           </a:bodyPr>
           <a:lstStyle/>
           <a:p>
-            <a:pPr>
+            <a:pPr algn="just">
               <a:spcBef>
                 <a:spcPts val="0"/>
               </a:spcBef>
@@ -1631,7 +1631,7 @@
             </a:r>
           </a:p>
           <a:p>
-            <a:pPr lvl="1">
+            <a:pPr lvl="1" algn="just">
               <a:spcBef>
                 <a:spcPts val="600"/>
               </a:spcBef>
@@ -1656,7 +1656,7 @@
             </a:r>
           </a:p>
           <a:p>
-            <a:pPr lvl="2">
+            <a:pPr lvl="2" algn="just">
               <a:spcBef>
                 <a:spcPts val="300"/>
               </a:spcBef>
@@ -1672,7 +1672,7 @@
             </a:r>
           </a:p>
           <a:p>
-            <a:pPr lvl="2">
+            <a:pPr lvl="2" algn="just">
               <a:spcBef>
                 <a:spcPts val="300"/>
               </a:spcBef>
@@ -1688,7 +1688,7 @@
             </a:r>
           </a:p>
           <a:p>
-            <a:pPr lvl="2">
+            <a:pPr lvl="2" algn="just">
               <a:spcBef>
                 <a:spcPts val="300"/>
               </a:spcBef>
@@ -1704,7 +1704,7 @@
             </a:r>
           </a:p>
           <a:p>
-            <a:pPr lvl="1">
+            <a:pPr lvl="1" algn="just">
               <a:spcBef>
                 <a:spcPts val="600"/>
               </a:spcBef>
@@ -1729,7 +1729,7 @@
             </a:r>
           </a:p>
           <a:p>
-            <a:pPr lvl="2">
+            <a:pPr lvl="2" algn="just">
               <a:spcBef>
                 <a:spcPts val="300"/>
               </a:spcBef>
@@ -1745,7 +1745,7 @@
             </a:r>
           </a:p>
           <a:p>
-            <a:pPr lvl="2">
+            <a:pPr lvl="2" algn="just">
               <a:spcBef>
                 <a:spcPts val="300"/>
               </a:spcBef>
@@ -1761,7 +1761,7 @@
             </a:r>
           </a:p>
           <a:p>
-            <a:pPr lvl="2">
+            <a:pPr lvl="2" algn="just">
               <a:spcBef>
                 <a:spcPts val="300"/>
               </a:spcBef>
@@ -1777,7 +1777,7 @@
             </a:r>
           </a:p>
           <a:p>
-            <a:pPr>
+            <a:pPr algn="just">
               <a:spcBef>
                 <a:spcPts val="1200"/>
               </a:spcBef>
@@ -1793,7 +1793,7 @@
             </a:r>
           </a:p>
           <a:p>
-            <a:pPr lvl="1">
+            <a:pPr lvl="1" algn="just">
               <a:spcBef>
                 <a:spcPts val="600"/>
               </a:spcBef>
@@ -1818,7 +1818,7 @@
             </a:r>
           </a:p>
           <a:p>
-            <a:pPr lvl="2">
+            <a:pPr lvl="2" algn="just">
               <a:spcBef>
                 <a:spcPts val="300"/>
               </a:spcBef>
@@ -1834,7 +1834,7 @@
             </a:r>
           </a:p>
           <a:p>
-            <a:pPr lvl="2">
+            <a:pPr lvl="2" algn="just">
               <a:spcBef>
                 <a:spcPts val="300"/>
               </a:spcBef>
@@ -1850,7 +1850,7 @@
             </a:r>
           </a:p>
           <a:p>
-            <a:pPr lvl="2">
+            <a:pPr lvl="2" algn="just">
               <a:spcBef>
                 <a:spcPts val="300"/>
               </a:spcBef>
@@ -1866,7 +1866,7 @@
             </a:r>
           </a:p>
           <a:p>
-            <a:pPr lvl="1">
+            <a:pPr lvl="1" algn="just">
               <a:spcBef>
                 <a:spcPts val="600"/>
               </a:spcBef>
@@ -1891,7 +1891,7 @@
             </a:r>
           </a:p>
           <a:p>
-            <a:pPr lvl="2">
+            <a:pPr lvl="2" algn="just">
               <a:spcBef>
                 <a:spcPts val="300"/>
               </a:spcBef>
@@ -1907,7 +1907,7 @@
             </a:r>
           </a:p>
           <a:p>
-            <a:pPr lvl="2">
+            <a:pPr lvl="2" algn="just">
               <a:spcBef>
                 <a:spcPts val="300"/>
               </a:spcBef>
@@ -1923,7 +1923,7 @@
             </a:r>
           </a:p>
           <a:p>
-            <a:pPr lvl="2">
+            <a:pPr lvl="2" algn="just">
               <a:spcBef>
                 <a:spcPts val="300"/>
               </a:spcBef>
@@ -1956,8 +1956,8 @@
         </p:blipFill>
         <p:spPr>
           <a:xfrm>
-            <a:off x="7559040" y="3024608"/>
-            <a:ext cx="4145280" cy="2591863"/>
+            <a:off x="7071359" y="2380190"/>
+            <a:ext cx="4723691" cy="2953518"/>
           </a:xfrm>
           <a:prstGeom prst="rect">
             <a:avLst/>
@@ -2525,7 +2525,7 @@
         </p:blipFill>
         <p:spPr>
           <a:xfrm>
-            <a:off x="7559040" y="1755162"/>
+            <a:off x="7559040" y="1598947"/>
             <a:ext cx="4145280" cy="1793195"/>
           </a:xfrm>
           <a:prstGeom prst="rect">
@@ -2549,8 +2549,8 @@
         </p:blipFill>
         <p:spPr>
           <a:xfrm>
-            <a:off x="8264860" y="4023360"/>
-            <a:ext cx="2733638" cy="2560320"/>
+            <a:off x="7733414" y="3543830"/>
+            <a:ext cx="3328879" cy="3117822"/>
           </a:xfrm>
           <a:prstGeom prst="rect">
             <a:avLst/>

--- a/output/2026-02-04_220411/presentation.pptx
+++ b/output/2026-02-04_220411/presentation.pptx
@@ -1566,8 +1566,8 @@
         </p:nvSpPr>
         <p:spPr>
           <a:xfrm>
-            <a:off x="1220328" y="1454067"/>
-            <a:ext cx="9412230" cy="276999"/>
+            <a:off x="5489464" y="1454067"/>
+            <a:ext cx="873957" cy="276999"/>
           </a:xfrm>
           <a:prstGeom prst="rect">
             <a:avLst/>
@@ -1588,8 +1588,23 @@
                 </a:solidFill>
                 <a:latin typeface="Times New Roman"/>
               </a:rPr>
-              <a:t>arXiv 2024</a:t>
-            </a:r>
+              <a:t>arXiv 202</a:t>
+            </a:r>
+            <a:r>
+              <a:rPr lang="en-US" sz="1200" i="1">
+                <a:solidFill>
+                  <a:srgbClr val="666666"/>
+                </a:solidFill>
+                <a:latin typeface="Times New Roman"/>
+              </a:rPr>
+              <a:t>6</a:t>
+            </a:r>
+            <a:endParaRPr sz="1200" i="1">
+              <a:solidFill>
+                <a:srgbClr val="666666"/>
+              </a:solidFill>
+              <a:latin typeface="Times New Roman"/>
+            </a:endParaRPr>
           </a:p>
         </p:txBody>
       </p:sp>
